--- a/ContDataQC_Guide_04_GageData.pptx
+++ b/ContDataQC_Guide_04_GageData.pptx
@@ -5,7 +5,7 @@
     <p:sldMasterId id="2147483648" r:id="rId1"/>
   </p:sldMasterIdLst>
   <p:notesMasterIdLst>
-    <p:notesMasterId r:id="rId13"/>
+    <p:notesMasterId r:id="rId14"/>
   </p:notesMasterIdLst>
   <p:sldIdLst>
     <p:sldId id="256" r:id="rId2"/>
@@ -18,7 +18,8 @@
     <p:sldId id="269" r:id="rId9"/>
     <p:sldId id="262" r:id="rId10"/>
     <p:sldId id="263" r:id="rId11"/>
-    <p:sldId id="257" r:id="rId12"/>
+    <p:sldId id="270" r:id="rId12"/>
+    <p:sldId id="257" r:id="rId13"/>
   </p:sldIdLst>
   <p:sldSz cx="12192000" cy="6858000"/>
   <p:notesSz cx="6858000" cy="9144000"/>
@@ -146,6 +147,11 @@
             <p14:sldId id="263"/>
           </p14:sldIdLst>
         </p14:section>
+        <p14:section name="R Notebook Code" id="{17F48711-F527-45C6-801D-EB3EF5965AB7}">
+          <p14:sldIdLst>
+            <p14:sldId id="270"/>
+          </p14:sldIdLst>
+        </p14:section>
         <p14:section name="End" id="{72B75AD2-2FFE-4279-8973-1B4FCBF0EF66}">
           <p14:sldIdLst>
             <p14:sldId id="257"/>
@@ -253,7 +259,7 @@
           <a:p>
             <a:fld id="{A2E71009-6882-4EF1-96CB-0E4C65F24FB6}" type="datetimeFigureOut">
               <a:rPr lang="en-US" smtClean="0"/>
-              <a:t>2018-01-26</a:t>
+              <a:t>2018-01-30</a:t>
             </a:fld>
             <a:endParaRPr lang="en-US"/>
           </a:p>
@@ -585,7 +591,7 @@
           <a:p>
             <a:fld id="{79F24CB8-3055-41A0-83BF-28451D16094D}" type="slidenum">
               <a:rPr lang="en-US" smtClean="0"/>
-              <a:t>11</a:t>
+              <a:t>12</a:t>
             </a:fld>
             <a:endParaRPr lang="en-US"/>
           </a:p>
@@ -733,7 +739,7 @@
           <a:p>
             <a:fld id="{07CE795A-9BFC-475B-95A6-98CD11EA5C56}" type="datetimeFigureOut">
               <a:rPr lang="en-US" smtClean="0"/>
-              <a:t>2018-01-26</a:t>
+              <a:t>2018-01-30</a:t>
             </a:fld>
             <a:endParaRPr lang="en-US"/>
           </a:p>
@@ -901,7 +907,7 @@
           <a:p>
             <a:fld id="{07CE795A-9BFC-475B-95A6-98CD11EA5C56}" type="datetimeFigureOut">
               <a:rPr lang="en-US" smtClean="0"/>
-              <a:t>2018-01-26</a:t>
+              <a:t>2018-01-30</a:t>
             </a:fld>
             <a:endParaRPr lang="en-US"/>
           </a:p>
@@ -1079,7 +1085,7 @@
           <a:p>
             <a:fld id="{07CE795A-9BFC-475B-95A6-98CD11EA5C56}" type="datetimeFigureOut">
               <a:rPr lang="en-US" smtClean="0"/>
-              <a:t>2018-01-26</a:t>
+              <a:t>2018-01-30</a:t>
             </a:fld>
             <a:endParaRPr lang="en-US"/>
           </a:p>
@@ -1247,7 +1253,7 @@
           <a:p>
             <a:fld id="{07CE795A-9BFC-475B-95A6-98CD11EA5C56}" type="datetimeFigureOut">
               <a:rPr lang="en-US" smtClean="0"/>
-              <a:t>2018-01-26</a:t>
+              <a:t>2018-01-30</a:t>
             </a:fld>
             <a:endParaRPr lang="en-US"/>
           </a:p>
@@ -1492,7 +1498,7 @@
           <a:p>
             <a:fld id="{07CE795A-9BFC-475B-95A6-98CD11EA5C56}" type="datetimeFigureOut">
               <a:rPr lang="en-US" smtClean="0"/>
-              <a:t>2018-01-26</a:t>
+              <a:t>2018-01-30</a:t>
             </a:fld>
             <a:endParaRPr lang="en-US"/>
           </a:p>
@@ -1721,7 +1727,7 @@
           <a:p>
             <a:fld id="{07CE795A-9BFC-475B-95A6-98CD11EA5C56}" type="datetimeFigureOut">
               <a:rPr lang="en-US" smtClean="0"/>
-              <a:t>2018-01-26</a:t>
+              <a:t>2018-01-30</a:t>
             </a:fld>
             <a:endParaRPr lang="en-US"/>
           </a:p>
@@ -2085,7 +2091,7 @@
           <a:p>
             <a:fld id="{07CE795A-9BFC-475B-95A6-98CD11EA5C56}" type="datetimeFigureOut">
               <a:rPr lang="en-US" smtClean="0"/>
-              <a:t>2018-01-26</a:t>
+              <a:t>2018-01-30</a:t>
             </a:fld>
             <a:endParaRPr lang="en-US"/>
           </a:p>
@@ -2202,7 +2208,7 @@
           <a:p>
             <a:fld id="{07CE795A-9BFC-475B-95A6-98CD11EA5C56}" type="datetimeFigureOut">
               <a:rPr lang="en-US" smtClean="0"/>
-              <a:t>2018-01-26</a:t>
+              <a:t>2018-01-30</a:t>
             </a:fld>
             <a:endParaRPr lang="en-US"/>
           </a:p>
@@ -2297,7 +2303,7 @@
           <a:p>
             <a:fld id="{07CE795A-9BFC-475B-95A6-98CD11EA5C56}" type="datetimeFigureOut">
               <a:rPr lang="en-US" smtClean="0"/>
-              <a:t>2018-01-26</a:t>
+              <a:t>2018-01-30</a:t>
             </a:fld>
             <a:endParaRPr lang="en-US"/>
           </a:p>
@@ -2572,7 +2578,7 @@
           <a:p>
             <a:fld id="{07CE795A-9BFC-475B-95A6-98CD11EA5C56}" type="datetimeFigureOut">
               <a:rPr lang="en-US" smtClean="0"/>
-              <a:t>2018-01-26</a:t>
+              <a:t>2018-01-30</a:t>
             </a:fld>
             <a:endParaRPr lang="en-US"/>
           </a:p>
@@ -2824,7 +2830,7 @@
           <a:p>
             <a:fld id="{07CE795A-9BFC-475B-95A6-98CD11EA5C56}" type="datetimeFigureOut">
               <a:rPr lang="en-US" smtClean="0"/>
-              <a:t>2018-01-26</a:t>
+              <a:t>2018-01-30</a:t>
             </a:fld>
             <a:endParaRPr lang="en-US"/>
           </a:p>
@@ -3035,7 +3041,7 @@
           <a:p>
             <a:fld id="{07CE795A-9BFC-475B-95A6-98CD11EA5C56}" type="datetimeFigureOut">
               <a:rPr lang="en-US" smtClean="0"/>
-              <a:t>2018-01-26</a:t>
+              <a:t>2018-01-30</a:t>
             </a:fld>
             <a:endParaRPr lang="en-US"/>
           </a:p>
@@ -3634,6 +3640,107 @@
       </p:grpSpPr>
       <p:sp>
         <p:nvSpPr>
+          <p:cNvPr id="2" name="Title 1"/>
+          <p:cNvSpPr>
+            <a:spLocks noGrp="1"/>
+          </p:cNvSpPr>
+          <p:nvPr>
+            <p:ph type="title"/>
+          </p:nvPr>
+        </p:nvSpPr>
+        <p:spPr/>
+        <p:txBody>
+          <a:bodyPr/>
+          <a:lstStyle/>
+          <a:p>
+            <a:r>
+              <a:rPr lang="en-US" dirty="0"/>
+              <a:t>Live Code</a:t>
+            </a:r>
+          </a:p>
+        </p:txBody>
+      </p:sp>
+      <p:sp>
+        <p:nvSpPr>
+          <p:cNvPr id="3" name="Content Placeholder 2"/>
+          <p:cNvSpPr>
+            <a:spLocks noGrp="1"/>
+          </p:cNvSpPr>
+          <p:nvPr>
+            <p:ph idx="1"/>
+          </p:nvPr>
+        </p:nvSpPr>
+        <p:spPr/>
+        <p:txBody>
+          <a:bodyPr/>
+          <a:lstStyle/>
+          <a:p>
+            <a:r>
+              <a:rPr lang="en-US" dirty="0"/>
+              <a:t>R Notebook</a:t>
+            </a:r>
+          </a:p>
+          <a:p>
+            <a:pPr lvl="1"/>
+            <a:r>
+              <a:rPr lang="en-US" dirty="0"/>
+              <a:t>Combines text with code chunks.</a:t>
+            </a:r>
+          </a:p>
+          <a:p>
+            <a:r>
+              <a:rPr lang="en-US" dirty="0"/>
+              <a:t>Will be saved with slides and videos on GitHub</a:t>
+            </a:r>
+          </a:p>
+          <a:p>
+            <a:pPr lvl="1"/>
+            <a:r>
+              <a:rPr lang="en-US" dirty="0">
+                <a:hlinkClick r:id="rId2"/>
+              </a:rPr>
+              <a:t>https://github.com/leppott/ContDataQC_Guide</a:t>
+            </a:r>
+            <a:endParaRPr lang="en-US" dirty="0"/>
+          </a:p>
+          <a:p>
+            <a:pPr lvl="1"/>
+            <a:endParaRPr lang="en-US" dirty="0"/>
+          </a:p>
+        </p:txBody>
+      </p:sp>
+    </p:spTree>
+    <p:extLst>
+      <p:ext uri="{BB962C8B-B14F-4D97-AF65-F5344CB8AC3E}">
+        <p14:creationId xmlns:p14="http://schemas.microsoft.com/office/powerpoint/2010/main" val="299552631"/>
+      </p:ext>
+    </p:extLst>
+  </p:cSld>
+  <p:clrMapOvr>
+    <a:masterClrMapping/>
+  </p:clrMapOvr>
+</p:sld>
+</file>
+
+<file path=ppt/slides/slide12.xml><?xml version="1.0" encoding="utf-8"?>
+<p:sld xmlns:a="http://schemas.openxmlformats.org/drawingml/2006/main" xmlns:r="http://schemas.openxmlformats.org/officeDocument/2006/relationships" xmlns:p="http://schemas.openxmlformats.org/presentationml/2006/main">
+  <p:cSld>
+    <p:spTree>
+      <p:nvGrpSpPr>
+        <p:cNvPr id="1" name=""/>
+        <p:cNvGrpSpPr/>
+        <p:nvPr/>
+      </p:nvGrpSpPr>
+      <p:grpSpPr>
+        <a:xfrm>
+          <a:off x="0" y="0"/>
+          <a:ext cx="0" cy="0"/>
+          <a:chOff x="0" y="0"/>
+          <a:chExt cx="0" cy="0"/>
+        </a:xfrm>
+      </p:grpSpPr>
+      <p:sp>
+        <p:nvSpPr>
           <p:cNvPr id="2" name="Slide Number Placeholder 1"/>
           <p:cNvSpPr>
             <a:spLocks noGrp="1"/>
@@ -3649,7 +3756,7 @@
           <a:p>
             <a:fld id="{936672D8-1FD0-476C-B848-666886B032D0}" type="slidenum">
               <a:rPr lang="en-US" smtClean="0"/>
-              <a:t>11</a:t>
+              <a:t>12</a:t>
             </a:fld>
             <a:endParaRPr lang="en-US"/>
           </a:p>
@@ -4698,15 +4805,7 @@
             </a:r>
             <a:r>
               <a:rPr lang="en-US" dirty="0" err="1"/>
-              <a:t>config.tz.</a:t>
-            </a:r>
-            <a:r>
-              <a:rPr lang="en-US" dirty="0" err="1"/>
-              <a:t>central</a:t>
-            </a:r>
-            <a:r>
-              <a:rPr lang="en-US" dirty="0" err="1"/>
-              <a:t>.R</a:t>
+              <a:t>config.tz.central.R</a:t>
             </a:r>
             <a:r>
               <a:rPr lang="en-US" dirty="0"/>
